--- a/PATIENT SPECIFIC HERAT DISEASE PROGRESSION MODELING  AND TREATMENT RESPONSE PREDICTION IN HEALTHCARE.pptx
+++ b/PATIENT SPECIFIC HERAT DISEASE PROGRESSION MODELING  AND TREATMENT RESPONSE PREDICTION IN HEALTHCARE.pptx
@@ -217,7 +217,7 @@
           <a:p>
             <a:fld id="{578F29B8-8BCC-4BBD-A562-2F53BA2C4CBA}" type="datetimeFigureOut">
               <a:rPr lang="en-IN" smtClean="0"/>
-              <a:t>30-03-2024</a:t>
+              <a:t>01-04-2024</a:t>
             </a:fld>
             <a:endParaRPr lang="en-IN"/>
           </a:p>
@@ -714,7 +714,7 @@
           <a:p>
             <a:fld id="{1D8BD707-D9CF-40AE-B4C6-C98DA3205C09}" type="datetimeFigureOut">
               <a:rPr lang="en-US"/>
-              <a:t>3/30/2024</a:t>
+              <a:t>4/1/2024</a:t>
             </a:fld>
             <a:endParaRPr lang="en-US"/>
           </a:p>
@@ -894,7 +894,7 @@
           <a:p>
             <a:fld id="{1D8BD707-D9CF-40AE-B4C6-C98DA3205C09}" type="datetimeFigureOut">
               <a:rPr lang="en-US"/>
-              <a:t>3/30/2024</a:t>
+              <a:t>4/1/2024</a:t>
             </a:fld>
             <a:endParaRPr lang="en-US"/>
           </a:p>
@@ -1117,7 +1117,7 @@
           <a:p>
             <a:fld id="{1D8BD707-D9CF-40AE-B4C6-C98DA3205C09}" type="datetimeFigureOut">
               <a:rPr lang="en-US"/>
-              <a:t>3/30/2024</a:t>
+              <a:t>4/1/2024</a:t>
             </a:fld>
             <a:endParaRPr lang="en-US"/>
           </a:p>
@@ -1274,7 +1274,7 @@
           <a:p>
             <a:fld id="{1D8BD707-D9CF-40AE-B4C6-C98DA3205C09}" type="datetimeFigureOut">
               <a:rPr lang="en-US"/>
-              <a:t>3/30/2024</a:t>
+              <a:t>4/1/2024</a:t>
             </a:fld>
             <a:endParaRPr lang="en-US"/>
           </a:p>
@@ -1402,7 +1402,7 @@
           <a:p>
             <a:fld id="{1D8BD707-D9CF-40AE-B4C6-C98DA3205C09}" type="datetimeFigureOut">
               <a:rPr lang="en-US"/>
-              <a:t>3/30/2024</a:t>
+              <a:t>4/1/2024</a:t>
             </a:fld>
             <a:endParaRPr lang="en-US"/>
           </a:p>
@@ -2121,7 +2121,7 @@
           <a:p>
             <a:fld id="{1D8BD707-D9CF-40AE-B4C6-C98DA3205C09}" type="datetimeFigureOut">
               <a:rPr lang="en-US"/>
-              <a:t>3/30/2024</a:t>
+              <a:t>4/1/2024</a:t>
             </a:fld>
             <a:endParaRPr lang="en-US"/>
           </a:p>
@@ -4258,8 +4258,8 @@
         </p:nvSpPr>
         <p:spPr>
           <a:xfrm>
-            <a:off x="739775" y="829627"/>
-            <a:ext cx="10995025" cy="5102679"/>
+            <a:off x="1524000" y="829627"/>
+            <a:ext cx="10667999" cy="5102679"/>
           </a:xfrm>
           <a:prstGeom prst="rect">
             <a:avLst/>
@@ -4287,27 +4287,27 @@
               <a:t>        </a:t>
             </a:r>
             <a:r>
-              <a:rPr lang="en-US" spc="25" dirty="0">
-                <a:latin typeface="Times New Roman" panose="02020603050405020304" pitchFamily="18" charset="0"/>
-                <a:cs typeface="Times New Roman" panose="02020603050405020304" pitchFamily="18" charset="0"/>
-              </a:rPr>
-              <a:t>PATIENT SPECIFIC HEART DISEASE PROGRESSION MODELING AND TREATMENT RESPONSE PREDICITION IN HEALTHCARE</a:t>
-            </a:r>
-            <a:r>
-              <a:rPr lang="en-IN" spc="25" dirty="0">
+              <a:rPr lang="en-US" b="0" spc="25" dirty="0">
+                <a:latin typeface="Times New Roman" panose="02020603050405020304" pitchFamily="18" charset="0"/>
+                <a:cs typeface="Times New Roman" panose="02020603050405020304" pitchFamily="18" charset="0"/>
+              </a:rPr>
+              <a:t>PATIENT SPECIFIC HEART DISEASE PROGRESSION MODELING AND TREATMENT RESPONSE PREDICITION IN   HEALTHCARE</a:t>
+            </a:r>
+            <a:r>
+              <a:rPr lang="en-IN" b="0" spc="25" dirty="0">
                 <a:latin typeface="Times New Roman" panose="02020603050405020304" pitchFamily="18" charset="0"/>
                 <a:cs typeface="Times New Roman" panose="02020603050405020304" pitchFamily="18" charset="0"/>
               </a:rPr>
               <a:t> </a:t>
             </a:r>
             <a:br>
-              <a:rPr lang="en-IN" spc="25" dirty="0">
+              <a:rPr lang="en-IN" b="0" spc="25" dirty="0">
                 <a:latin typeface="Times New Roman" panose="02020603050405020304" pitchFamily="18" charset="0"/>
                 <a:cs typeface="Times New Roman" panose="02020603050405020304" pitchFamily="18" charset="0"/>
               </a:rPr>
             </a:br>
             <a:br>
-              <a:rPr lang="en-IN" spc="25" dirty="0">
+              <a:rPr lang="en-IN" b="0" spc="25" dirty="0">
                 <a:latin typeface="Times New Roman" panose="02020603050405020304" pitchFamily="18" charset="0"/>
                 <a:cs typeface="Times New Roman" panose="02020603050405020304" pitchFamily="18" charset="0"/>
               </a:rPr>
@@ -4598,6 +4598,42 @@
           </a:p>
         </p:txBody>
       </p:sp>
+      <p:pic>
+        <p:nvPicPr>
+          <p:cNvPr id="25" name="Picture 24">
+            <a:extLst>
+              <a:ext uri="{FF2B5EF4-FFF2-40B4-BE49-F238E27FC236}">
+                <a16:creationId xmlns:a16="http://schemas.microsoft.com/office/drawing/2014/main" id="{D0EB3699-E480-DEFD-081A-EB35EA93D1F9}"/>
+              </a:ext>
+            </a:extLst>
+          </p:cNvPr>
+          <p:cNvPicPr>
+            <a:picLocks noChangeAspect="1"/>
+          </p:cNvPicPr>
+          <p:nvPr/>
+        </p:nvPicPr>
+        <p:blipFill>
+          <a:blip r:embed="rId4">
+            <a:extLst>
+              <a:ext uri="{28A0092B-C50C-407E-A947-70E740481C1C}">
+                <a14:useLocalDpi xmlns:a14="http://schemas.microsoft.com/office/drawing/2010/main" val="0"/>
+              </a:ext>
+            </a:extLst>
+          </a:blip>
+          <a:stretch>
+            <a:fillRect/>
+          </a:stretch>
+        </p:blipFill>
+        <p:spPr>
+          <a:xfrm>
+            <a:off x="4760149" y="4510087"/>
+            <a:ext cx="2466975" cy="1847850"/>
+          </a:xfrm>
+          <a:prstGeom prst="rect">
+            <a:avLst/>
+          </a:prstGeom>
+        </p:spPr>
+      </p:pic>
     </p:spTree>
   </p:cSld>
   <p:clrMapOvr>
@@ -8166,7 +8202,7 @@
         <p:spPr>
           <a:xfrm>
             <a:off x="152400" y="200025"/>
-            <a:ext cx="11506200" cy="5525872"/>
+            <a:ext cx="11506200" cy="5541261"/>
           </a:xfrm>
           <a:prstGeom prst="rect">
             <a:avLst/>
@@ -8184,91 +8220,90 @@
               </a:spcBef>
             </a:pPr>
             <a:r>
-              <a:rPr sz="3200" spc="25" dirty="0"/>
-              <a:t>W</a:t>
-            </a:r>
-            <a:r>
-              <a:rPr sz="3200" spc="-20" dirty="0"/>
+              <a:rPr lang="en-US" sz="3600" spc="25" dirty="0"/>
+              <a:t>   W</a:t>
+            </a:r>
+            <a:r>
+              <a:rPr lang="en-US" sz="3600" spc="-20" dirty="0"/>
               <a:t>H</a:t>
             </a:r>
             <a:r>
-              <a:rPr sz="3200" spc="20" dirty="0"/>
+              <a:rPr lang="en-US" sz="3600" spc="20" dirty="0"/>
               <a:t>O</a:t>
             </a:r>
             <a:r>
-              <a:rPr sz="3200" spc="-235" dirty="0"/>
+              <a:rPr lang="en-US" sz="3600" spc="-235" dirty="0"/>
               <a:t> </a:t>
             </a:r>
             <a:r>
-              <a:rPr sz="3200" spc="-10" dirty="0"/>
+              <a:rPr lang="en-US" sz="3600" spc="-10" dirty="0"/>
               <a:t>AR</a:t>
             </a:r>
             <a:r>
-              <a:rPr sz="3200" spc="15" dirty="0"/>
+              <a:rPr lang="en-US" sz="3600" spc="15" dirty="0"/>
               <a:t>E</a:t>
             </a:r>
             <a:r>
-              <a:rPr sz="3200" spc="-35" dirty="0"/>
+              <a:rPr lang="en-US" sz="3600" spc="-35" dirty="0"/>
               <a:t> </a:t>
             </a:r>
             <a:r>
-              <a:rPr sz="3200" spc="-10" dirty="0"/>
+              <a:rPr lang="en-US" sz="3600" spc="-10" dirty="0"/>
               <a:t>T</a:t>
             </a:r>
             <a:r>
-              <a:rPr sz="3200" spc="-15" dirty="0"/>
+              <a:rPr lang="en-US" sz="3600" spc="-15" dirty="0"/>
               <a:t>H</a:t>
             </a:r>
             <a:r>
-              <a:rPr sz="3200" spc="15" dirty="0"/>
+              <a:rPr lang="en-US" sz="3600" spc="15" dirty="0"/>
               <a:t>E</a:t>
             </a:r>
             <a:r>
-              <a:rPr sz="3200" spc="-35" dirty="0"/>
+              <a:rPr lang="en-US" sz="3600" spc="-35" dirty="0"/>
               <a:t> </a:t>
             </a:r>
             <a:r>
-              <a:rPr sz="3200" spc="-20" dirty="0"/>
+              <a:rPr lang="en-US" sz="3600" spc="-20" dirty="0"/>
               <a:t>E</a:t>
             </a:r>
             <a:r>
-              <a:rPr sz="3200" spc="30" dirty="0"/>
+              <a:rPr lang="en-US" sz="3600" spc="30" dirty="0"/>
               <a:t>N</a:t>
             </a:r>
             <a:r>
-              <a:rPr sz="3200" spc="15" dirty="0"/>
+              <a:rPr lang="en-US" sz="3600" spc="15" dirty="0"/>
               <a:t>D</a:t>
             </a:r>
             <a:r>
-              <a:rPr sz="3200" spc="-45" dirty="0"/>
+              <a:rPr lang="en-US" sz="3600" spc="-45" dirty="0"/>
               <a:t> </a:t>
             </a:r>
             <a:r>
-              <a:rPr sz="3200" dirty="0"/>
+              <a:rPr lang="en-US" sz="3600" dirty="0"/>
               <a:t>U</a:t>
             </a:r>
             <a:r>
-              <a:rPr sz="3200" spc="10" dirty="0"/>
+              <a:rPr lang="en-US" sz="3600" spc="10" dirty="0"/>
               <a:t>S</a:t>
             </a:r>
             <a:r>
-              <a:rPr sz="3200" spc="-25" dirty="0"/>
+              <a:rPr lang="en-US" sz="3600" spc="-25" dirty="0"/>
               <a:t>E</a:t>
             </a:r>
             <a:r>
-              <a:rPr sz="3200" spc="-10" dirty="0"/>
+              <a:rPr lang="en-US" sz="3600" spc="-10" dirty="0"/>
               <a:t>R</a:t>
             </a:r>
             <a:r>
-              <a:rPr sz="3200" spc="5" dirty="0"/>
+              <a:rPr lang="en-US" sz="3600" spc="5" dirty="0"/>
               <a:t>S</a:t>
             </a:r>
             <a:r>
-              <a:rPr lang="en-IN" sz="1100" b="1" i="0" dirty="0">
+              <a:rPr lang="en-US" sz="3600" dirty="0">
                 <a:solidFill>
                   <a:srgbClr val="0D0D0D"/>
                 </a:solidFill>
-                <a:effectLst/>
                 <a:latin typeface="Söhne"/>
               </a:rPr>
               <a:t> </a:t>
@@ -8291,16 +8326,41 @@
                 <a:latin typeface="Söhne"/>
               </a:rPr>
             </a:br>
-            <a:r>
-              <a:rPr lang="en-IN" sz="2800" b="1" i="0" dirty="0">
+            <a:br>
+              <a:rPr lang="en-IN" sz="1100" b="1" i="0" dirty="0">
                 <a:solidFill>
                   <a:srgbClr val="0D0D0D"/>
                 </a:solidFill>
                 <a:effectLst/>
-                <a:latin typeface="Times New Roman" panose="02020603050405020304" pitchFamily="18" charset="0"/>
-                <a:cs typeface="Times New Roman" panose="02020603050405020304" pitchFamily="18" charset="0"/>
-              </a:rPr>
-              <a:t>                  </a:t>
+                <a:latin typeface="Söhne"/>
+              </a:rPr>
+            </a:br>
+            <a:br>
+              <a:rPr lang="en-IN" sz="1100" b="1" i="0" dirty="0">
+                <a:solidFill>
+                  <a:srgbClr val="0D0D0D"/>
+                </a:solidFill>
+                <a:effectLst/>
+                <a:latin typeface="Söhne"/>
+              </a:rPr>
+            </a:br>
+            <a:br>
+              <a:rPr lang="en-IN" sz="1100" b="1" i="0" dirty="0">
+                <a:solidFill>
+                  <a:srgbClr val="0D0D0D"/>
+                </a:solidFill>
+                <a:effectLst/>
+                <a:latin typeface="Söhne"/>
+              </a:rPr>
+            </a:br>
+            <a:r>
+              <a:rPr lang="en-IN" sz="1100" dirty="0">
+                <a:solidFill>
+                  <a:srgbClr val="0D0D0D"/>
+                </a:solidFill>
+                <a:latin typeface="Söhne"/>
+              </a:rPr>
+              <a:t>                                                  </a:t>
             </a:r>
             <a:r>
               <a:rPr lang="en-IN" sz="3200" b="1" i="0" dirty="0">
@@ -8375,7 +8435,28 @@
                 <a:latin typeface="Times New Roman" panose="02020603050405020304" pitchFamily="18" charset="0"/>
                 <a:cs typeface="Times New Roman" panose="02020603050405020304" pitchFamily="18" charset="0"/>
               </a:rPr>
-              <a:t>              3 )Healthcare Institutions</a:t>
+              <a:t>              </a:t>
+            </a:r>
+            <a:r>
+              <a:rPr lang="en-IN" sz="3600" b="0" dirty="0">
+                <a:solidFill>
+                  <a:srgbClr val="0D0D0D"/>
+                </a:solidFill>
+                <a:latin typeface="Times New Roman" panose="02020603050405020304" pitchFamily="18" charset="0"/>
+                <a:cs typeface="Times New Roman" panose="02020603050405020304" pitchFamily="18" charset="0"/>
+              </a:rPr>
+              <a:t>3</a:t>
+            </a:r>
+            <a:r>
+              <a:rPr lang="en-IN" sz="3600" b="0" i="0" dirty="0">
+                <a:solidFill>
+                  <a:srgbClr val="0D0D0D"/>
+                </a:solidFill>
+                <a:effectLst/>
+                <a:latin typeface="Times New Roman" panose="02020603050405020304" pitchFamily="18" charset="0"/>
+                <a:cs typeface="Times New Roman" panose="02020603050405020304" pitchFamily="18" charset="0"/>
+              </a:rPr>
+              <a:t> )Researchers and Academia</a:t>
             </a:r>
             <a:br>
               <a:rPr lang="en-IN" sz="3600" b="0" i="0" dirty="0">
@@ -8396,28 +8477,7 @@
                 <a:latin typeface="Times New Roman" panose="02020603050405020304" pitchFamily="18" charset="0"/>
                 <a:cs typeface="Times New Roman" panose="02020603050405020304" pitchFamily="18" charset="0"/>
               </a:rPr>
-              <a:t>              4 )Researchers and Academia</a:t>
-            </a:r>
-            <a:br>
-              <a:rPr lang="en-IN" sz="3600" b="0" i="0" dirty="0">
-                <a:solidFill>
-                  <a:srgbClr val="0D0D0D"/>
-                </a:solidFill>
-                <a:effectLst/>
-                <a:latin typeface="Times New Roman" panose="02020603050405020304" pitchFamily="18" charset="0"/>
-                <a:cs typeface="Times New Roman" panose="02020603050405020304" pitchFamily="18" charset="0"/>
-              </a:rPr>
-            </a:br>
-            <a:r>
-              <a:rPr lang="en-IN" sz="3600" b="0" i="0" dirty="0">
-                <a:solidFill>
-                  <a:srgbClr val="0D0D0D"/>
-                </a:solidFill>
-                <a:effectLst/>
-                <a:latin typeface="Times New Roman" panose="02020603050405020304" pitchFamily="18" charset="0"/>
-                <a:cs typeface="Times New Roman" panose="02020603050405020304" pitchFamily="18" charset="0"/>
-              </a:rPr>
-              <a:t>              5)</a:t>
+              <a:t>              4)</a:t>
             </a:r>
             <a:r>
               <a:rPr lang="en-US" sz="3600" b="0" i="0" dirty="0">
@@ -8449,7 +8509,7 @@
                 <a:latin typeface="Times New Roman" panose="02020603050405020304" pitchFamily="18" charset="0"/>
                 <a:cs typeface="Times New Roman" panose="02020603050405020304" pitchFamily="18" charset="0"/>
               </a:rPr>
-              <a:t>              6)Healthcare Administrators and Policy Makers</a:t>
+              <a:t>              </a:t>
             </a:r>
             <a:br>
               <a:rPr lang="en-US" sz="3600" b="1" i="0" dirty="0">
